--- a/assets/img/image.pptx
+++ b/assets/img/image.pptx
@@ -3393,9 +3393,7 @@
             <a:avLst/>
           </a:prstGeom>
           <a:solidFill>
-            <a:schemeClr val="accent1">
-              <a:lumMod val="75000"/>
-            </a:schemeClr>
+            <a:srgbClr val="612D13"/>
           </a:solidFill>
           <a:ln>
             <a:solidFill>
@@ -3481,16 +3479,12 @@
         <p:spPr>
           <a:xfrm>
             <a:off x="2032000" y="3903911"/>
-            <a:ext cx="8127999" cy="1015663"/>
+            <a:ext cx="8127999" cy="830997"/>
           </a:xfrm>
           <a:prstGeom prst="rect">
             <a:avLst/>
           </a:prstGeom>
-          <a:solidFill>
-            <a:schemeClr val="accent1">
-              <a:lumMod val="75000"/>
-            </a:schemeClr>
-          </a:solidFill>
+          <a:noFill/>
         </p:spPr>
         <p:txBody>
           <a:bodyPr wrap="square" rtlCol="0">
@@ -3500,11 +3494,11 @@
           <a:p>
             <a:pPr algn="ctr"/>
             <a:r>
-              <a:rPr lang="en-US" sz="6000" b="1" dirty="0">
+              <a:rPr lang="en-US" sz="4800" b="1" dirty="0">
                 <a:solidFill>
                   <a:schemeClr val="bg1"/>
                 </a:solidFill>
-                <a:latin typeface="Baskerville Old Face" panose="02020602080505020303" pitchFamily="18" charset="77"/>
+                <a:latin typeface="Arial" panose="020B0604020202020204" pitchFamily="34" charset="0"/>
                 <a:cs typeface="Arial" panose="020B0604020202020204" pitchFamily="34" charset="0"/>
               </a:rPr>
               <a:t>Physics Alumni Society</a:t>
@@ -3532,11 +3526,7 @@
           <a:prstGeom prst="rect">
             <a:avLst/>
           </a:prstGeom>
-          <a:solidFill>
-            <a:schemeClr val="accent1">
-              <a:lumMod val="75000"/>
-            </a:schemeClr>
-          </a:solidFill>
+          <a:noFill/>
         </p:spPr>
         <p:txBody>
           <a:bodyPr wrap="square" rtlCol="0">
@@ -3550,7 +3540,7 @@
                 <a:solidFill>
                   <a:schemeClr val="bg1"/>
                 </a:solidFill>
-                <a:latin typeface="Baskerville Old Face" panose="02020602080505020303" pitchFamily="18" charset="77"/>
+                <a:latin typeface="Arial" panose="020B0604020202020204" pitchFamily="34" charset="0"/>
                 <a:cs typeface="Arial" panose="020B0604020202020204" pitchFamily="34" charset="0"/>
               </a:rPr>
               <a:t>Madras Christian College</a:t>

--- a/assets/img/image.pptx
+++ b/assets/img/image.pptx
@@ -3387,7 +3387,7 @@
         <p:spPr>
           <a:xfrm>
             <a:off x="2032000" y="889000"/>
-            <a:ext cx="8112897" cy="5080000"/>
+            <a:ext cx="8127999" cy="5080000"/>
           </a:xfrm>
           <a:prstGeom prst="rect">
             <a:avLst/>
@@ -3451,7 +3451,7 @@
         </p:blipFill>
         <p:spPr>
           <a:xfrm>
-            <a:off x="5031945" y="1035654"/>
+            <a:off x="5031945" y="1196295"/>
             <a:ext cx="2113006" cy="2732071"/>
           </a:xfrm>
           <a:prstGeom prst="rect">
@@ -3478,7 +3478,7 @@
         </p:nvSpPr>
         <p:spPr>
           <a:xfrm>
-            <a:off x="2032000" y="3903911"/>
+            <a:off x="2032000" y="4064552"/>
             <a:ext cx="8127999" cy="830997"/>
           </a:xfrm>
           <a:prstGeom prst="rect">
@@ -3520,7 +3520,7 @@
         </p:nvSpPr>
         <p:spPr>
           <a:xfrm>
-            <a:off x="2032000" y="4945723"/>
+            <a:off x="2032000" y="5106364"/>
             <a:ext cx="8112897" cy="646331"/>
           </a:xfrm>
           <a:prstGeom prst="rect">
